--- a/Documenten/BUO vergadering presentation(demo).pptx
+++ b/Documenten/BUO vergadering presentation(demo).pptx
@@ -6,17 +6,15 @@
     <p:sldMasterId id="2147483676" r:id="rId6"/>
   </p:sldMasterIdLst>
   <p:notesMasterIdLst>
-    <p:notesMasterId r:id="rId12"/>
+    <p:notesMasterId r:id="rId10"/>
   </p:notesMasterIdLst>
   <p:handoutMasterIdLst>
-    <p:handoutMasterId r:id="rId13"/>
+    <p:handoutMasterId r:id="rId11"/>
   </p:handoutMasterIdLst>
   <p:sldIdLst>
-    <p:sldId id="256" r:id="rId7"/>
-    <p:sldId id="307" r:id="rId8"/>
-    <p:sldId id="302" r:id="rId9"/>
-    <p:sldId id="310" r:id="rId10"/>
-    <p:sldId id="309" r:id="rId11"/>
+    <p:sldId id="307" r:id="rId7"/>
+    <p:sldId id="302" r:id="rId8"/>
+    <p:sldId id="309" r:id="rId9"/>
   </p:sldIdLst>
   <p:sldSz cx="9144000" cy="5143500" type="screen16x9"/>
   <p:notesSz cx="6934200" cy="9220200"/>
@@ -806,33 +804,19 @@
       </p:grpSpPr>
       <p:sp>
         <p:nvSpPr>
-          <p:cNvPr id="47106" name="Slide Image Placeholder 1"/>
-          <p:cNvSpPr>
-            <a:spLocks noGrp="1" noRot="1" noChangeAspect="1" noTextEdit="1"/>
+          <p:cNvPr id="2" name="Tijdelijke aanduiding voor dia-afbeelding 1"/>
+          <p:cNvSpPr>
+            <a:spLocks noGrp="1" noRot="1" noChangeAspect="1"/>
           </p:cNvSpPr>
           <p:nvPr>
             <p:ph type="sldImg"/>
           </p:nvPr>
         </p:nvSpPr>
-        <p:spPr bwMode="auto">
-          <a:xfrm>
-            <a:off x="393700" y="865188"/>
-            <a:ext cx="6146800" cy="3457575"/>
-          </a:xfrm>
-          <a:noFill/>
-          <a:ln>
-            <a:solidFill>
-              <a:srgbClr val="000000"/>
-            </a:solidFill>
-            <a:miter lim="800000"/>
-            <a:headEnd/>
-            <a:tailEnd/>
-          </a:ln>
-        </p:spPr>
-      </p:sp>
-      <p:sp>
-        <p:nvSpPr>
-          <p:cNvPr id="47107" name="Notes Placeholder 2"/>
+        <p:spPr/>
+      </p:sp>
+      <p:sp>
+        <p:nvSpPr>
+          <p:cNvPr id="3" name="Tijdelijke aanduiding voor notities 2"/>
           <p:cNvSpPr>
             <a:spLocks noGrp="1"/>
           </p:cNvSpPr>
@@ -840,30 +824,21 @@
             <p:ph type="body" idx="1"/>
           </p:nvPr>
         </p:nvSpPr>
-        <p:spPr bwMode="auto">
-          <a:noFill/>
-        </p:spPr>
-        <p:txBody>
-          <a:bodyPr wrap="square" numCol="1" anchor="t" anchorCtr="0" compatLnSpc="1">
-            <a:prstTxWarp prst="textNoShape">
-              <a:avLst/>
-            </a:prstTxWarp>
+        <p:spPr/>
+        <p:txBody>
+          <a:bodyPr>
+            <a:normAutofit/>
           </a:bodyPr>
           <a:lstStyle/>
           <a:p>
-            <a:pPr eaLnBrk="1" hangingPunct="1">
-              <a:spcBef>
-                <a:spcPct val="0"/>
-              </a:spcBef>
-            </a:pPr>
-            <a:endParaRPr lang="en-US" smtClean="0"/>
+            <a:endParaRPr lang="nl-NL"/>
           </a:p>
         </p:txBody>
       </p:sp>
     </p:spTree>
     <p:extLst>
       <p:ext uri="{BB962C8B-B14F-4D97-AF65-F5344CB8AC3E}">
-        <p14:creationId xmlns:p14="http://schemas.microsoft.com/office/powerpoint/2010/main" val="955753221"/>
+        <p14:creationId xmlns:p14="http://schemas.microsoft.com/office/powerpoint/2010/main" val="2444513685"/>
       </p:ext>
     </p:extLst>
   </p:cSld>
@@ -926,7 +901,7 @@
     </p:spTree>
     <p:extLst>
       <p:ext uri="{BB962C8B-B14F-4D97-AF65-F5344CB8AC3E}">
-        <p14:creationId xmlns:p14="http://schemas.microsoft.com/office/powerpoint/2010/main" val="2444513685"/>
+        <p14:creationId xmlns:p14="http://schemas.microsoft.com/office/powerpoint/2010/main" val="3502923777"/>
       </p:ext>
     </p:extLst>
   </p:cSld>
@@ -937,132 +912,6 @@
 </file>
 
 <file path=ppt/notesSlides/notesSlide3.xml><?xml version="1.0" encoding="utf-8"?>
-<p:notes xmlns:a="http://schemas.openxmlformats.org/drawingml/2006/main" xmlns:r="http://schemas.openxmlformats.org/officeDocument/2006/relationships" xmlns:p="http://schemas.openxmlformats.org/presentationml/2006/main">
-  <p:cSld>
-    <p:spTree>
-      <p:nvGrpSpPr>
-        <p:cNvPr id="1" name=""/>
-        <p:cNvGrpSpPr/>
-        <p:nvPr/>
-      </p:nvGrpSpPr>
-      <p:grpSpPr>
-        <a:xfrm>
-          <a:off x="0" y="0"/>
-          <a:ext cx="0" cy="0"/>
-          <a:chOff x="0" y="0"/>
-          <a:chExt cx="0" cy="0"/>
-        </a:xfrm>
-      </p:grpSpPr>
-      <p:sp>
-        <p:nvSpPr>
-          <p:cNvPr id="2" name="Tijdelijke aanduiding voor dia-afbeelding 1"/>
-          <p:cNvSpPr>
-            <a:spLocks noGrp="1" noRot="1" noChangeAspect="1"/>
-          </p:cNvSpPr>
-          <p:nvPr>
-            <p:ph type="sldImg"/>
-          </p:nvPr>
-        </p:nvSpPr>
-        <p:spPr/>
-      </p:sp>
-      <p:sp>
-        <p:nvSpPr>
-          <p:cNvPr id="3" name="Tijdelijke aanduiding voor notities 2"/>
-          <p:cNvSpPr>
-            <a:spLocks noGrp="1"/>
-          </p:cNvSpPr>
-          <p:nvPr>
-            <p:ph type="body" idx="1"/>
-          </p:nvPr>
-        </p:nvSpPr>
-        <p:spPr/>
-        <p:txBody>
-          <a:bodyPr>
-            <a:normAutofit/>
-          </a:bodyPr>
-          <a:lstStyle/>
-          <a:p>
-            <a:endParaRPr lang="nl-NL"/>
-          </a:p>
-        </p:txBody>
-      </p:sp>
-    </p:spTree>
-    <p:extLst>
-      <p:ext uri="{BB962C8B-B14F-4D97-AF65-F5344CB8AC3E}">
-        <p14:creationId xmlns:p14="http://schemas.microsoft.com/office/powerpoint/2010/main" val="3502923777"/>
-      </p:ext>
-    </p:extLst>
-  </p:cSld>
-  <p:clrMapOvr>
-    <a:masterClrMapping/>
-  </p:clrMapOvr>
-</p:notes>
-</file>
-
-<file path=ppt/notesSlides/notesSlide4.xml><?xml version="1.0" encoding="utf-8"?>
-<p:notes xmlns:a="http://schemas.openxmlformats.org/drawingml/2006/main" xmlns:r="http://schemas.openxmlformats.org/officeDocument/2006/relationships" xmlns:p="http://schemas.openxmlformats.org/presentationml/2006/main">
-  <p:cSld>
-    <p:spTree>
-      <p:nvGrpSpPr>
-        <p:cNvPr id="1" name=""/>
-        <p:cNvGrpSpPr/>
-        <p:nvPr/>
-      </p:nvGrpSpPr>
-      <p:grpSpPr>
-        <a:xfrm>
-          <a:off x="0" y="0"/>
-          <a:ext cx="0" cy="0"/>
-          <a:chOff x="0" y="0"/>
-          <a:chExt cx="0" cy="0"/>
-        </a:xfrm>
-      </p:grpSpPr>
-      <p:sp>
-        <p:nvSpPr>
-          <p:cNvPr id="2" name="Tijdelijke aanduiding voor dia-afbeelding 1"/>
-          <p:cNvSpPr>
-            <a:spLocks noGrp="1" noRot="1" noChangeAspect="1"/>
-          </p:cNvSpPr>
-          <p:nvPr>
-            <p:ph type="sldImg"/>
-          </p:nvPr>
-        </p:nvSpPr>
-        <p:spPr/>
-      </p:sp>
-      <p:sp>
-        <p:nvSpPr>
-          <p:cNvPr id="3" name="Tijdelijke aanduiding voor notities 2"/>
-          <p:cNvSpPr>
-            <a:spLocks noGrp="1"/>
-          </p:cNvSpPr>
-          <p:nvPr>
-            <p:ph type="body" idx="1"/>
-          </p:nvPr>
-        </p:nvSpPr>
-        <p:spPr/>
-        <p:txBody>
-          <a:bodyPr>
-            <a:normAutofit/>
-          </a:bodyPr>
-          <a:lstStyle/>
-          <a:p>
-            <a:endParaRPr lang="nl-NL"/>
-          </a:p>
-        </p:txBody>
-      </p:sp>
-    </p:spTree>
-    <p:extLst>
-      <p:ext uri="{BB962C8B-B14F-4D97-AF65-F5344CB8AC3E}">
-        <p14:creationId xmlns:p14="http://schemas.microsoft.com/office/powerpoint/2010/main" val="3469812592"/>
-      </p:ext>
-    </p:extLst>
-  </p:cSld>
-  <p:clrMapOvr>
-    <a:masterClrMapping/>
-  </p:clrMapOvr>
-</p:notes>
-</file>
-
-<file path=ppt/notesSlides/notesSlide5.xml><?xml version="1.0" encoding="utf-8"?>
 <p:notes xmlns:a="http://schemas.openxmlformats.org/drawingml/2006/main" xmlns:r="http://schemas.openxmlformats.org/officeDocument/2006/relationships" xmlns:p="http://schemas.openxmlformats.org/presentationml/2006/main">
   <p:cSld>
     <p:spTree>
@@ -1752,7 +1601,7 @@
               <a:pPr>
                 <a:defRPr/>
               </a:pPr>
-              <a:t>17-10-2014</a:t>
+              <a:t>28-10-2014</a:t>
             </a:fld>
             <a:endParaRPr lang="nl-NL"/>
           </a:p>
@@ -1921,7 +1770,7 @@
               <a:pPr>
                 <a:defRPr/>
               </a:pPr>
-              <a:t>17-10-2014</a:t>
+              <a:t>28-10-2014</a:t>
             </a:fld>
             <a:endParaRPr lang="nl-NL"/>
           </a:p>
@@ -2143,7 +1992,7 @@
               <a:pPr>
                 <a:defRPr/>
               </a:pPr>
-              <a:t>17-10-2014</a:t>
+              <a:t>28-10-2014</a:t>
             </a:fld>
             <a:endParaRPr lang="nl-NL"/>
           </a:p>
@@ -2516,7 +2365,7 @@
               <a:pPr>
                 <a:defRPr/>
               </a:pPr>
-              <a:t>17-10-2014</a:t>
+              <a:t>28-10-2014</a:t>
             </a:fld>
             <a:endParaRPr lang="nl-NL"/>
           </a:p>
@@ -2937,7 +2786,7 @@
               <a:pPr>
                 <a:defRPr/>
               </a:pPr>
-              <a:t>17-10-2014</a:t>
+              <a:t>28-10-2014</a:t>
             </a:fld>
             <a:endParaRPr lang="nl-NL"/>
           </a:p>
@@ -3293,7 +3142,7 @@
               <a:pPr>
                 <a:defRPr/>
               </a:pPr>
-              <a:t>17-10-2014</a:t>
+              <a:t>28-10-2014</a:t>
             </a:fld>
             <a:endParaRPr lang="nl-NL"/>
           </a:p>
@@ -3697,7 +3546,7 @@
               <a:pPr>
                 <a:defRPr/>
               </a:pPr>
-              <a:t>17-10-2014</a:t>
+              <a:t>28-10-2014</a:t>
             </a:fld>
             <a:endParaRPr lang="nl-NL"/>
           </a:p>
@@ -3905,7 +3754,7 @@
               <a:pPr>
                 <a:defRPr/>
               </a:pPr>
-              <a:t>17-10-2014</a:t>
+              <a:t>28-10-2014</a:t>
             </a:fld>
             <a:endParaRPr lang="nl-NL"/>
           </a:p>
@@ -4081,7 +3930,7 @@
               <a:pPr>
                 <a:defRPr/>
               </a:pPr>
-              <a:t>17-10-2014</a:t>
+              <a:t>28-10-2014</a:t>
             </a:fld>
             <a:endParaRPr lang="nl-NL"/>
           </a:p>
@@ -4622,7 +4471,7 @@
               <a:pPr>
                 <a:defRPr/>
               </a:pPr>
-              <a:t>17-10-2014</a:t>
+              <a:t>28-10-2014</a:t>
             </a:fld>
             <a:endParaRPr lang="nl-NL"/>
           </a:p>
@@ -4825,7 +4674,7 @@
               <a:pPr>
                 <a:defRPr/>
               </a:pPr>
-              <a:t>17-10-2014</a:t>
+              <a:t>28-10-2014</a:t>
             </a:fld>
             <a:endParaRPr lang="nl-NL"/>
           </a:p>
@@ -5185,7 +5034,7 @@
               <a:pPr>
                 <a:defRPr/>
               </a:pPr>
-              <a:t>17-10-2014</a:t>
+              <a:t>28-10-2014</a:t>
             </a:fld>
             <a:endParaRPr lang="nl-NL"/>
           </a:p>
@@ -5498,7 +5347,7 @@
               <a:pPr>
                 <a:defRPr/>
               </a:pPr>
-              <a:t>17-10-2014</a:t>
+              <a:t>28-10-2014</a:t>
             </a:fld>
             <a:endParaRPr lang="nl-NL"/>
           </a:p>
@@ -5945,7 +5794,7 @@
               <a:pPr>
                 <a:defRPr/>
               </a:pPr>
-              <a:t>17-10-2014</a:t>
+              <a:t>28-10-2014</a:t>
             </a:fld>
             <a:endParaRPr lang="nl-NL"/>
           </a:p>
@@ -6088,7 +5937,7 @@
               <a:pPr>
                 <a:defRPr/>
               </a:pPr>
-              <a:t>17-10-2014</a:t>
+              <a:t>28-10-2014</a:t>
             </a:fld>
             <a:endParaRPr lang="nl-NL"/>
           </a:p>
@@ -6236,7 +6085,7 @@
               <a:pPr>
                 <a:defRPr/>
               </a:pPr>
-              <a:t>17-10-2014</a:t>
+              <a:t>28-10-2014</a:t>
             </a:fld>
             <a:endParaRPr lang="nl-NL"/>
           </a:p>
@@ -6585,7 +6434,7 @@
               <a:pPr>
                 <a:defRPr/>
               </a:pPr>
-              <a:t>17-10-2014</a:t>
+              <a:t>28-10-2014</a:t>
             </a:fld>
             <a:endParaRPr lang="nl-NL"/>
           </a:p>
@@ -6917,7 +6766,7 @@
               <a:pPr>
                 <a:defRPr/>
               </a:pPr>
-              <a:t>17-10-2014</a:t>
+              <a:t>28-10-2014</a:t>
             </a:fld>
             <a:endParaRPr lang="nl-NL"/>
           </a:p>
@@ -7356,7 +7205,7 @@
               <a:pPr>
                 <a:defRPr/>
               </a:pPr>
-              <a:t>17-10-2014</a:t>
+              <a:t>28-10-2014</a:t>
             </a:fld>
             <a:endParaRPr lang="nl-NL"/>
           </a:p>
@@ -7533,7 +7382,7 @@
               <a:pPr>
                 <a:defRPr/>
               </a:pPr>
-              <a:t>17-10-2014</a:t>
+              <a:t>28-10-2014</a:t>
             </a:fld>
             <a:endParaRPr lang="nl-NL"/>
           </a:p>
@@ -7761,7 +7610,7 @@
               <a:pPr>
                 <a:defRPr/>
               </a:pPr>
-              <a:t>17-10-2014</a:t>
+              <a:t>28-10-2014</a:t>
             </a:fld>
             <a:endParaRPr lang="nl-NL"/>
           </a:p>
@@ -8048,7 +7897,7 @@
               <a:pPr>
                 <a:defRPr/>
               </a:pPr>
-              <a:t>17-10-2014</a:t>
+              <a:t>28-10-2014</a:t>
             </a:fld>
             <a:endParaRPr lang="nl-NL"/>
           </a:p>
@@ -8407,7 +8256,7 @@
               <a:pPr>
                 <a:defRPr/>
               </a:pPr>
-              <a:t>17-10-2014</a:t>
+              <a:t>28-10-2014</a:t>
             </a:fld>
             <a:endParaRPr lang="nl-NL"/>
           </a:p>
@@ -8746,7 +8595,7 @@
               <a:pPr>
                 <a:defRPr/>
               </a:pPr>
-              <a:t>17-10-2014</a:t>
+              <a:t>28-10-2014</a:t>
             </a:fld>
             <a:endParaRPr lang="nl-NL"/>
           </a:p>
@@ -9138,7 +8987,7 @@
               <a:pPr>
                 <a:defRPr/>
               </a:pPr>
-              <a:t>17-10-2014</a:t>
+              <a:t>28-10-2014</a:t>
             </a:fld>
             <a:endParaRPr lang="nl-NL"/>
           </a:p>
@@ -9611,7 +9460,7 @@
               <a:pPr>
                 <a:defRPr/>
               </a:pPr>
-              <a:t>17-10-2014</a:t>
+              <a:t>28-10-2014</a:t>
             </a:fld>
             <a:endParaRPr lang="nl-NL"/>
           </a:p>
@@ -9906,7 +9755,7 @@
               <a:pPr>
                 <a:defRPr/>
               </a:pPr>
-              <a:t>17-10-2014</a:t>
+              <a:t>28-10-2014</a:t>
             </a:fld>
             <a:endParaRPr lang="nl-NL"/>
           </a:p>
@@ -10721,7 +10570,7 @@
               <a:pPr>
                 <a:defRPr/>
               </a:pPr>
-              <a:t>17-10-2014</a:t>
+              <a:t>28-10-2014</a:t>
             </a:fld>
             <a:endParaRPr lang="nl-NL"/>
           </a:p>
@@ -11240,15 +11089,210 @@
       </p:grpSpPr>
       <p:sp>
         <p:nvSpPr>
-          <p:cNvPr id="34818" name="Title 1"/>
-          <p:cNvSpPr>
-            <a:spLocks noGrp="1"/>
-          </p:cNvSpPr>
-          <p:nvPr>
-            <p:ph type="ctrTitle"/>
+          <p:cNvPr id="37890" name="Titel 1"/>
+          <p:cNvSpPr>
+            <a:spLocks noGrp="1"/>
+          </p:cNvSpPr>
+          <p:nvPr>
+            <p:ph type="title"/>
           </p:nvPr>
         </p:nvSpPr>
         <p:spPr/>
+        <p:txBody>
+          <a:bodyPr/>
+          <a:lstStyle/>
+          <a:p>
+            <a:r>
+              <a:rPr lang="en-US" dirty="0" err="1" smtClean="0"/>
+              <a:t>Introductie</a:t>
+            </a:r>
+            <a:r>
+              <a:rPr lang="en-US" dirty="0" smtClean="0"/>
+              <a:t> Google Glass</a:t>
+            </a:r>
+            <a:endParaRPr lang="en-US" dirty="0" smtClean="0"/>
+          </a:p>
+        </p:txBody>
+      </p:sp>
+      <p:sp>
+        <p:nvSpPr>
+          <p:cNvPr id="37891" name="Tijdelijke aanduiding voor inhoud 2"/>
+          <p:cNvSpPr>
+            <a:spLocks noGrp="1"/>
+          </p:cNvSpPr>
+          <p:nvPr>
+            <p:ph idx="1"/>
+          </p:nvPr>
+        </p:nvSpPr>
+        <p:spPr/>
+        <p:txBody>
+          <a:bodyPr/>
+          <a:lstStyle/>
+          <a:p>
+            <a:r>
+              <a:rPr lang="en-US" dirty="0" err="1" smtClean="0"/>
+              <a:t>Wie</a:t>
+            </a:r>
+            <a:r>
+              <a:rPr lang="en-US" dirty="0"/>
+              <a:t> </a:t>
+            </a:r>
+            <a:r>
+              <a:rPr lang="en-US" dirty="0" err="1" smtClean="0"/>
+              <a:t>zijn</a:t>
+            </a:r>
+            <a:r>
+              <a:rPr lang="en-US" dirty="0" smtClean="0"/>
+              <a:t> </a:t>
+            </a:r>
+            <a:r>
+              <a:rPr lang="en-US" dirty="0" err="1" smtClean="0"/>
+              <a:t>wij</a:t>
+            </a:r>
+            <a:r>
+              <a:rPr lang="en-US" dirty="0" smtClean="0"/>
+              <a:t>?</a:t>
+            </a:r>
+            <a:endParaRPr lang="en-US" dirty="0" smtClean="0"/>
+          </a:p>
+          <a:p>
+            <a:r>
+              <a:rPr lang="en-US" dirty="0" err="1" smtClean="0"/>
+              <a:t>Wat</a:t>
+            </a:r>
+            <a:r>
+              <a:rPr lang="en-US" dirty="0" smtClean="0"/>
+              <a:t> </a:t>
+            </a:r>
+            <a:r>
+              <a:rPr lang="en-US" dirty="0" err="1" smtClean="0"/>
+              <a:t>hebben</a:t>
+            </a:r>
+            <a:r>
+              <a:rPr lang="en-US" dirty="0" smtClean="0"/>
+              <a:t> </a:t>
+            </a:r>
+            <a:r>
+              <a:rPr lang="en-US" dirty="0" err="1" smtClean="0"/>
+              <a:t>wij</a:t>
+            </a:r>
+            <a:r>
+              <a:rPr lang="en-US" dirty="0" smtClean="0"/>
+              <a:t> </a:t>
+            </a:r>
+            <a:r>
+              <a:rPr lang="en-US" dirty="0" err="1" smtClean="0"/>
+              <a:t>gemaakt</a:t>
+            </a:r>
+            <a:r>
+              <a:rPr lang="en-US" dirty="0" smtClean="0"/>
+              <a:t>?</a:t>
+            </a:r>
+          </a:p>
+          <a:p>
+            <a:pPr lvl="1"/>
+            <a:r>
+              <a:rPr lang="en-US" dirty="0" smtClean="0"/>
+              <a:t>Auto </a:t>
+            </a:r>
+            <a:r>
+              <a:rPr lang="en-US" dirty="0" err="1" smtClean="0"/>
+              <a:t>overzekerd</a:t>
+            </a:r>
+            <a:r>
+              <a:rPr lang="en-US" dirty="0" smtClean="0"/>
+              <a:t>?</a:t>
+            </a:r>
+          </a:p>
+          <a:p>
+            <a:pPr lvl="1"/>
+            <a:r>
+              <a:rPr lang="en-US" dirty="0" smtClean="0"/>
+              <a:t>Auto </a:t>
+            </a:r>
+            <a:r>
+              <a:rPr lang="en-US" dirty="0" err="1" smtClean="0"/>
+              <a:t>niet</a:t>
+            </a:r>
+            <a:r>
+              <a:rPr lang="en-US" dirty="0" smtClean="0"/>
+              <a:t> </a:t>
+            </a:r>
+            <a:r>
+              <a:rPr lang="en-US" dirty="0" err="1" smtClean="0"/>
+              <a:t>apk-gekeurd</a:t>
+            </a:r>
+            <a:r>
+              <a:rPr lang="en-US" dirty="0" smtClean="0"/>
+              <a:t>?</a:t>
+            </a:r>
+            <a:endParaRPr lang="en-US" dirty="0" smtClean="0"/>
+          </a:p>
+          <a:p>
+            <a:r>
+              <a:rPr lang="en-US" dirty="0" err="1" smtClean="0"/>
+              <a:t>Waarom</a:t>
+            </a:r>
+            <a:r>
+              <a:rPr lang="en-US" dirty="0" smtClean="0"/>
+              <a:t>?</a:t>
+            </a:r>
+          </a:p>
+          <a:p>
+            <a:pPr lvl="1"/>
+            <a:r>
+              <a:rPr lang="en-US" dirty="0" err="1" smtClean="0"/>
+              <a:t>Innovatie</a:t>
+            </a:r>
+            <a:r>
+              <a:rPr lang="en-US" dirty="0" smtClean="0"/>
+              <a:t> </a:t>
+            </a:r>
+            <a:r>
+              <a:rPr lang="en-US" dirty="0" err="1" smtClean="0"/>
+              <a:t>voor</a:t>
+            </a:r>
+            <a:r>
+              <a:rPr lang="en-US" dirty="0" smtClean="0"/>
+              <a:t> de Business</a:t>
+            </a:r>
+          </a:p>
+          <a:p>
+            <a:pPr lvl="1"/>
+            <a:r>
+              <a:rPr lang="en-US" dirty="0" err="1" smtClean="0"/>
+              <a:t>Technische</a:t>
+            </a:r>
+            <a:r>
+              <a:rPr lang="en-US" dirty="0" smtClean="0"/>
+              <a:t> </a:t>
+            </a:r>
+            <a:r>
+              <a:rPr lang="en-US" dirty="0" err="1" smtClean="0"/>
+              <a:t>Innovatie</a:t>
+            </a:r>
+            <a:endParaRPr lang="en-US" dirty="0" smtClean="0"/>
+          </a:p>
+        </p:txBody>
+      </p:sp>
+      <p:sp>
+        <p:nvSpPr>
+          <p:cNvPr id="37892" name="Tijdelijke aanduiding voor voettekst 3"/>
+          <p:cNvSpPr>
+            <a:spLocks noGrp="1"/>
+          </p:cNvSpPr>
+          <p:nvPr>
+            <p:ph type="ftr" sz="quarter" idx="10"/>
+          </p:nvPr>
+        </p:nvSpPr>
+        <p:spPr bwMode="auto">
+          <a:noFill/>
+          <a:ln>
+            <a:miter lim="800000"/>
+            <a:headEnd/>
+            <a:tailEnd/>
+          </a:ln>
+        </p:spPr>
         <p:txBody>
           <a:bodyPr/>
           <a:lstStyle/>
@@ -11257,48 +11301,36 @@
               <a:rPr lang="en-US" dirty="0" smtClean="0"/>
               <a:t>Google Glass</a:t>
             </a:r>
-            <a:endParaRPr lang="nl-NL" dirty="0" smtClean="0"/>
-          </a:p>
-        </p:txBody>
-      </p:sp>
-      <p:sp>
-        <p:nvSpPr>
-          <p:cNvPr id="34819" name="Subtitle 2"/>
-          <p:cNvSpPr>
-            <a:spLocks noGrp="1"/>
-          </p:cNvSpPr>
-          <p:nvPr>
-            <p:ph type="subTitle" idx="1"/>
-          </p:nvPr>
-        </p:nvSpPr>
-        <p:spPr>
-          <a:xfrm>
-            <a:off x="152400" y="3314700"/>
-            <a:ext cx="3124200" cy="1371600"/>
-          </a:xfrm>
-        </p:spPr>
+            <a:endParaRPr lang="nl-NL" dirty="0"/>
+          </a:p>
+        </p:txBody>
+      </p:sp>
+      <p:sp>
+        <p:nvSpPr>
+          <p:cNvPr id="5" name="Tijdelijke aanduiding voor dianummer 4"/>
+          <p:cNvSpPr>
+            <a:spLocks noGrp="1"/>
+          </p:cNvSpPr>
+          <p:nvPr>
+            <p:ph type="sldNum" sz="quarter" idx="11"/>
+          </p:nvPr>
+        </p:nvSpPr>
+        <p:spPr/>
         <p:txBody>
           <a:bodyPr/>
           <a:lstStyle/>
           <a:p>
-            <a:r>
-              <a:rPr lang="en-US" dirty="0"/>
-              <a:t>Mike Hoogesteger</a:t>
-            </a:r>
-            <a:endParaRPr lang="en-US" dirty="0" smtClean="0"/>
-          </a:p>
-          <a:p>
-            <a:r>
-              <a:rPr lang="en-US" dirty="0" smtClean="0"/>
-              <a:t>&amp; </a:t>
-            </a:r>
-          </a:p>
-          <a:p>
-            <a:r>
-              <a:rPr lang="en-US" dirty="0" smtClean="0"/>
-              <a:t>Mike Mol</a:t>
-            </a:r>
-            <a:endParaRPr lang="en-US" dirty="0" smtClean="0"/>
+            <a:pPr>
+              <a:defRPr/>
+            </a:pPr>
+            <a:fld id="{3D2BFD20-94B3-4AB8-9B36-FDEDF300D72E}" type="slidenum">
+              <a:rPr lang="nl-NL"/>
+              <a:pPr>
+                <a:defRPr/>
+              </a:pPr>
+              <a:t>1</a:t>
+            </a:fld>
+            <a:endParaRPr lang="nl-NL" dirty="0"/>
           </a:p>
         </p:txBody>
       </p:sp>
@@ -11336,7 +11368,7 @@
       </p:grpSpPr>
       <p:sp>
         <p:nvSpPr>
-          <p:cNvPr id="37890" name="Titel 1"/>
+          <p:cNvPr id="36866" name="Titel 1"/>
           <p:cNvSpPr>
             <a:spLocks noGrp="1"/>
           </p:cNvSpPr>
@@ -11351,62 +11383,19 @@
           <a:p>
             <a:r>
               <a:rPr lang="en-US" dirty="0" err="1" smtClean="0"/>
-              <a:t>Inhoud</a:t>
-            </a:r>
-            <a:endParaRPr lang="en-US" dirty="0" smtClean="0"/>
-          </a:p>
-        </p:txBody>
-      </p:sp>
-      <p:sp>
-        <p:nvSpPr>
-          <p:cNvPr id="37891" name="Tijdelijke aanduiding voor inhoud 2"/>
-          <p:cNvSpPr>
-            <a:spLocks noGrp="1"/>
-          </p:cNvSpPr>
-          <p:nvPr>
-            <p:ph idx="1"/>
-          </p:nvPr>
-        </p:nvSpPr>
-        <p:spPr/>
-        <p:txBody>
-          <a:bodyPr/>
-          <a:lstStyle/>
-          <a:p>
-            <a:r>
-              <a:rPr lang="en-US" dirty="0" err="1" smtClean="0"/>
-              <a:t>Kleine</a:t>
+              <a:t>Kenteken</a:t>
             </a:r>
             <a:r>
               <a:rPr lang="en-US" dirty="0" smtClean="0"/>
-              <a:t> </a:t>
-            </a:r>
-            <a:r>
-              <a:rPr lang="en-US" dirty="0" err="1" smtClean="0"/>
-              <a:t>introductie</a:t>
-            </a:r>
-            <a:r>
-              <a:rPr lang="en-US" dirty="0" smtClean="0"/>
-              <a:t> Glass</a:t>
-            </a:r>
-          </a:p>
-          <a:p>
-            <a:r>
-              <a:rPr lang="en-US" dirty="0" smtClean="0"/>
-              <a:t>De Scanner Glassware</a:t>
-            </a:r>
-          </a:p>
-          <a:p>
-            <a:r>
-              <a:rPr lang="en-US" dirty="0" smtClean="0"/>
-              <a:t>Demo</a:t>
-            </a:r>
-            <a:endParaRPr lang="en-US" dirty="0" smtClean="0"/>
-          </a:p>
-        </p:txBody>
-      </p:sp>
-      <p:sp>
-        <p:nvSpPr>
-          <p:cNvPr id="37892" name="Tijdelijke aanduiding voor voettekst 3"/>
+              <a:t> Scanner Glassware</a:t>
+            </a:r>
+            <a:endParaRPr lang="nl-NL" dirty="0" smtClean="0"/>
+          </a:p>
+        </p:txBody>
+      </p:sp>
+      <p:sp>
+        <p:nvSpPr>
+          <p:cNvPr id="36868" name="Tijdelijke aanduiding voor voettekst 3"/>
           <p:cNvSpPr>
             <a:spLocks noGrp="1"/>
           </p:cNvSpPr>
@@ -11452,7 +11441,7 @@
             <a:pPr>
               <a:defRPr/>
             </a:pPr>
-            <a:fld id="{3D2BFD20-94B3-4AB8-9B36-FDEDF300D72E}" type="slidenum">
+            <a:fld id="{560C0125-B7DC-4BD6-A91E-052BF54F10FE}" type="slidenum">
               <a:rPr lang="nl-NL"/>
               <a:pPr>
                 <a:defRPr/>
@@ -11463,6 +11452,131 @@
           </a:p>
         </p:txBody>
       </p:sp>
+      <p:pic>
+        <p:nvPicPr>
+          <p:cNvPr id="1026" name="Picture 2" descr="http://adaptiverecognition.com/20120112/images/product_anpr_12.jpg"/>
+          <p:cNvPicPr>
+            <a:picLocks noGrp="1" noChangeAspect="1" noChangeArrowheads="1"/>
+          </p:cNvPicPr>
+          <p:nvPr>
+            <p:ph idx="1"/>
+          </p:nvPr>
+        </p:nvPicPr>
+        <p:blipFill>
+          <a:blip r:embed="rId3">
+            <a:extLst>
+              <a:ext uri="{28A0092B-C50C-407E-A947-70E740481C1C}">
+                <a14:useLocalDpi xmlns:a14="http://schemas.microsoft.com/office/drawing/2010/main" val="0"/>
+              </a:ext>
+            </a:extLst>
+          </a:blip>
+          <a:srcRect/>
+          <a:stretch>
+            <a:fillRect/>
+          </a:stretch>
+        </p:blipFill>
+        <p:spPr bwMode="auto">
+          <a:xfrm>
+            <a:off x="179513" y="798126"/>
+            <a:ext cx="3888432" cy="1473117"/>
+          </a:xfrm>
+          <a:prstGeom prst="rect">
+            <a:avLst/>
+          </a:prstGeom>
+          <a:noFill/>
+          <a:extLst>
+            <a:ext uri="{909E8E84-426E-40DD-AFC4-6F175D3DCCD1}">
+              <a14:hiddenFill xmlns:a14="http://schemas.microsoft.com/office/drawing/2010/main">
+                <a:solidFill>
+                  <a:srgbClr val="FFFFFF"/>
+                </a:solidFill>
+              </a14:hiddenFill>
+            </a:ext>
+          </a:extLst>
+        </p:spPr>
+      </p:pic>
+      <p:pic>
+        <p:nvPicPr>
+          <p:cNvPr id="1028" name="Picture 4" descr="http://www.flex-id.nl/Images/Flex-Logo%20rood%20trans.png"/>
+          <p:cNvPicPr>
+            <a:picLocks noChangeAspect="1" noChangeArrowheads="1"/>
+          </p:cNvPicPr>
+          <p:nvPr/>
+        </p:nvPicPr>
+        <p:blipFill>
+          <a:blip r:embed="rId4">
+            <a:extLst>
+              <a:ext uri="{28A0092B-C50C-407E-A947-70E740481C1C}">
+                <a14:useLocalDpi xmlns:a14="http://schemas.microsoft.com/office/drawing/2010/main" val="0"/>
+              </a:ext>
+            </a:extLst>
+          </a:blip>
+          <a:srcRect/>
+          <a:stretch>
+            <a:fillRect/>
+          </a:stretch>
+        </p:blipFill>
+        <p:spPr bwMode="auto">
+          <a:xfrm>
+            <a:off x="4932040" y="798126"/>
+            <a:ext cx="3558561" cy="1566377"/>
+          </a:xfrm>
+          <a:prstGeom prst="rect">
+            <a:avLst/>
+          </a:prstGeom>
+          <a:noFill/>
+          <a:extLst>
+            <a:ext uri="{909E8E84-426E-40DD-AFC4-6F175D3DCCD1}">
+              <a14:hiddenFill xmlns:a14="http://schemas.microsoft.com/office/drawing/2010/main">
+                <a:solidFill>
+                  <a:srgbClr val="FFFFFF"/>
+                </a:solidFill>
+              </a14:hiddenFill>
+            </a:ext>
+          </a:extLst>
+        </p:spPr>
+      </p:pic>
+      <p:pic>
+        <p:nvPicPr>
+          <p:cNvPr id="1030" name="Picture 6" descr="http://www.mobilespecs.pk/uploads/images/getting-started-google-glass.jpg"/>
+          <p:cNvPicPr>
+            <a:picLocks noChangeAspect="1" noChangeArrowheads="1"/>
+          </p:cNvPicPr>
+          <p:nvPr/>
+        </p:nvPicPr>
+        <p:blipFill>
+          <a:blip r:embed="rId5">
+            <a:extLst>
+              <a:ext uri="{28A0092B-C50C-407E-A947-70E740481C1C}">
+                <a14:useLocalDpi xmlns:a14="http://schemas.microsoft.com/office/drawing/2010/main" val="0"/>
+              </a:ext>
+            </a:extLst>
+          </a:blip>
+          <a:srcRect/>
+          <a:stretch>
+            <a:fillRect/>
+          </a:stretch>
+        </p:blipFill>
+        <p:spPr bwMode="auto">
+          <a:xfrm>
+            <a:off x="2992128" y="2507581"/>
+            <a:ext cx="3245470" cy="2160266"/>
+          </a:xfrm>
+          <a:prstGeom prst="rect">
+            <a:avLst/>
+          </a:prstGeom>
+          <a:noFill/>
+          <a:extLst>
+            <a:ext uri="{909E8E84-426E-40DD-AFC4-6F175D3DCCD1}">
+              <a14:hiddenFill xmlns:a14="http://schemas.microsoft.com/office/drawing/2010/main">
+                <a:solidFill>
+                  <a:srgbClr val="FFFFFF"/>
+                </a:solidFill>
+              </a14:hiddenFill>
+            </a:ext>
+          </a:extLst>
+        </p:spPr>
+      </p:pic>
     </p:spTree>
   </p:cSld>
   <p:clrMapOvr>
@@ -11497,7 +11611,7 @@
       </p:grpSpPr>
       <p:sp>
         <p:nvSpPr>
-          <p:cNvPr id="36866" name="Titel 1"/>
+          <p:cNvPr id="37890" name="Titel 1"/>
           <p:cNvSpPr>
             <a:spLocks noGrp="1"/>
           </p:cNvSpPr>
@@ -11512,54 +11626,19 @@
           <a:p>
             <a:r>
               <a:rPr lang="en-US" dirty="0" err="1" smtClean="0"/>
-              <a:t>Kleine</a:t>
-            </a:r>
-            <a:r>
-              <a:rPr lang="en-US" dirty="0" smtClean="0"/>
-              <a:t> </a:t>
-            </a:r>
-            <a:r>
-              <a:rPr lang="en-US" dirty="0" err="1" smtClean="0"/>
-              <a:t>introductie</a:t>
-            </a:r>
-            <a:r>
-              <a:rPr lang="en-US" dirty="0" smtClean="0"/>
-              <a:t> Glass</a:t>
-            </a:r>
-            <a:endParaRPr lang="nl-NL" dirty="0" smtClean="0"/>
-          </a:p>
-        </p:txBody>
-      </p:sp>
-      <p:pic>
-        <p:nvPicPr>
-          <p:cNvPr id="2" name="4EvNxWhskf8"/>
-          <p:cNvPicPr>
-            <a:picLocks noGrp="1" noRot="1" noChangeAspect="1"/>
-          </p:cNvPicPr>
-          <p:nvPr>
-            <p:ph idx="1"/>
-            <a:videoFile r:link="rId1"/>
-          </p:nvPr>
-        </p:nvPicPr>
-        <p:blipFill>
-          <a:blip r:embed="rId4"/>
-          <a:stretch>
-            <a:fillRect/>
-          </a:stretch>
-        </p:blipFill>
-        <p:spPr>
-          <a:xfrm>
-            <a:off x="1158479" y="699542"/>
-            <a:ext cx="6912768" cy="3888432"/>
-          </a:xfrm>
-          <a:prstGeom prst="rect">
-            <a:avLst/>
-          </a:prstGeom>
-        </p:spPr>
-      </p:pic>
-      <p:sp>
-        <p:nvSpPr>
-          <p:cNvPr id="36868" name="Tijdelijke aanduiding voor voettekst 3"/>
+              <a:t>Kenteken</a:t>
+            </a:r>
+            <a:r>
+              <a:rPr lang="en-US" smtClean="0"/>
+              <a:t> Scanner Demo</a:t>
+            </a:r>
+            <a:endParaRPr lang="en-US" dirty="0" smtClean="0"/>
+          </a:p>
+        </p:txBody>
+      </p:sp>
+      <p:sp>
+        <p:nvSpPr>
+          <p:cNvPr id="37892" name="Tijdelijke aanduiding voor voettekst 3"/>
           <p:cNvSpPr>
             <a:spLocks noGrp="1"/>
           </p:cNvSpPr>
@@ -11605,7 +11684,7 @@
             <a:pPr>
               <a:defRPr/>
             </a:pPr>
-            <a:fld id="{560C0125-B7DC-4BD6-A91E-052BF54F10FE}" type="slidenum">
+            <a:fld id="{3D2BFD20-94B3-4AB8-9B36-FDEDF300D72E}" type="slidenum">
               <a:rPr lang="nl-NL"/>
               <a:pPr>
                 <a:defRPr/>
@@ -11616,331 +11695,33 @@
           </a:p>
         </p:txBody>
       </p:sp>
-    </p:spTree>
-  </p:cSld>
-  <p:clrMapOvr>
-    <a:masterClrMapping/>
-  </p:clrMapOvr>
-  <p:timing>
-    <p:tnLst>
-      <p:par>
-        <p:cTn id="1" dur="indefinite" restart="never" nodeType="tmRoot"/>
-      </p:par>
-    </p:tnLst>
-  </p:timing>
-</p:sld>
-</file>
-
-<file path=ppt/slides/slide4.xml><?xml version="1.0" encoding="utf-8"?>
-<p:sld xmlns:a="http://schemas.openxmlformats.org/drawingml/2006/main" xmlns:r="http://schemas.openxmlformats.org/officeDocument/2006/relationships" xmlns:p="http://schemas.openxmlformats.org/presentationml/2006/main">
-  <p:cSld>
-    <p:spTree>
-      <p:nvGrpSpPr>
-        <p:cNvPr id="1" name=""/>
-        <p:cNvGrpSpPr/>
-        <p:nvPr/>
-      </p:nvGrpSpPr>
-      <p:grpSpPr>
-        <a:xfrm>
-          <a:off x="0" y="0"/>
-          <a:ext cx="0" cy="0"/>
-          <a:chOff x="0" y="0"/>
-          <a:chExt cx="0" cy="0"/>
-        </a:xfrm>
-      </p:grpSpPr>
-      <p:sp>
-        <p:nvSpPr>
-          <p:cNvPr id="37890" name="Titel 1"/>
-          <p:cNvSpPr>
-            <a:spLocks noGrp="1"/>
-          </p:cNvSpPr>
-          <p:nvPr>
-            <p:ph type="title"/>
-          </p:nvPr>
-        </p:nvSpPr>
-        <p:spPr/>
-        <p:txBody>
-          <a:bodyPr/>
-          <a:lstStyle/>
-          <a:p>
-            <a:r>
-              <a:rPr lang="en-US" dirty="0" smtClean="0"/>
-              <a:t>De Scanner Glassware</a:t>
-            </a:r>
-            <a:endParaRPr lang="en-US" dirty="0" smtClean="0"/>
-          </a:p>
-        </p:txBody>
-      </p:sp>
-      <p:sp>
-        <p:nvSpPr>
-          <p:cNvPr id="37891" name="Tijdelijke aanduiding voor inhoud 2"/>
-          <p:cNvSpPr>
-            <a:spLocks noGrp="1"/>
-          </p:cNvSpPr>
-          <p:nvPr>
-            <p:ph idx="1"/>
-          </p:nvPr>
-        </p:nvSpPr>
-        <p:spPr/>
-        <p:txBody>
-          <a:bodyPr/>
-          <a:lstStyle/>
-          <a:p>
-            <a:r>
-              <a:rPr lang="en-US" dirty="0" err="1" smtClean="0"/>
-              <a:t>Beschrijving</a:t>
-            </a:r>
-            <a:endParaRPr lang="en-US" dirty="0" smtClean="0"/>
-          </a:p>
-          <a:p>
-            <a:r>
-              <a:rPr lang="en-US" dirty="0" err="1" smtClean="0"/>
-              <a:t>Tesseract</a:t>
-            </a:r>
-            <a:r>
-              <a:rPr lang="en-US" dirty="0" smtClean="0"/>
-              <a:t> OCR</a:t>
-            </a:r>
-          </a:p>
-          <a:p>
-            <a:pPr lvl="1"/>
-            <a:r>
-              <a:rPr lang="en-US" dirty="0" err="1" smtClean="0"/>
-              <a:t>Optimalisatie</a:t>
-            </a:r>
-            <a:endParaRPr lang="en-US" dirty="0" smtClean="0"/>
-          </a:p>
-          <a:p>
-            <a:r>
-              <a:rPr lang="en-US" dirty="0" err="1" smtClean="0"/>
-              <a:t>Kenteken</a:t>
-            </a:r>
-            <a:r>
-              <a:rPr lang="en-US" dirty="0" smtClean="0"/>
-              <a:t> API</a:t>
-            </a:r>
-          </a:p>
-        </p:txBody>
-      </p:sp>
-      <p:sp>
-        <p:nvSpPr>
-          <p:cNvPr id="37892" name="Tijdelijke aanduiding voor voettekst 3"/>
-          <p:cNvSpPr>
-            <a:spLocks noGrp="1"/>
-          </p:cNvSpPr>
-          <p:nvPr>
-            <p:ph type="ftr" sz="quarter" idx="10"/>
-          </p:nvPr>
-        </p:nvSpPr>
-        <p:spPr bwMode="auto">
-          <a:noFill/>
-          <a:ln>
-            <a:miter lim="800000"/>
-            <a:headEnd/>
-            <a:tailEnd/>
-          </a:ln>
-        </p:spPr>
-        <p:txBody>
-          <a:bodyPr/>
-          <a:lstStyle/>
-          <a:p>
-            <a:r>
-              <a:rPr lang="en-US" dirty="0" smtClean="0"/>
-              <a:t>Google Glass</a:t>
-            </a:r>
-            <a:endParaRPr lang="nl-NL" dirty="0"/>
-          </a:p>
-        </p:txBody>
-      </p:sp>
-      <p:sp>
-        <p:nvSpPr>
-          <p:cNvPr id="5" name="Tijdelijke aanduiding voor dianummer 4"/>
-          <p:cNvSpPr>
-            <a:spLocks noGrp="1"/>
-          </p:cNvSpPr>
-          <p:nvPr>
-            <p:ph type="sldNum" sz="quarter" idx="11"/>
-          </p:nvPr>
-        </p:nvSpPr>
-        <p:spPr/>
-        <p:txBody>
-          <a:bodyPr/>
-          <a:lstStyle/>
-          <a:p>
-            <a:pPr>
-              <a:defRPr/>
-            </a:pPr>
-            <a:fld id="{3D2BFD20-94B3-4AB8-9B36-FDEDF300D72E}" type="slidenum">
-              <a:rPr lang="nl-NL"/>
-              <a:pPr>
-                <a:defRPr/>
-              </a:pPr>
-              <a:t>4</a:t>
-            </a:fld>
-            <a:endParaRPr lang="nl-NL" dirty="0"/>
-          </a:p>
-        </p:txBody>
-      </p:sp>
-    </p:spTree>
-    <p:extLst>
-      <p:ext uri="{BB962C8B-B14F-4D97-AF65-F5344CB8AC3E}">
-        <p14:creationId xmlns:p14="http://schemas.microsoft.com/office/powerpoint/2010/main" val="3433019900"/>
-      </p:ext>
-    </p:extLst>
-  </p:cSld>
-  <p:clrMapOvr>
-    <a:masterClrMapping/>
-  </p:clrMapOvr>
-  <p:timing>
-    <p:tnLst>
-      <p:par>
-        <p:cTn id="1" dur="indefinite" restart="never" nodeType="tmRoot"/>
-      </p:par>
-    </p:tnLst>
-  </p:timing>
-</p:sld>
-</file>
-
-<file path=ppt/slides/slide5.xml><?xml version="1.0" encoding="utf-8"?>
-<p:sld xmlns:a="http://schemas.openxmlformats.org/drawingml/2006/main" xmlns:r="http://schemas.openxmlformats.org/officeDocument/2006/relationships" xmlns:p="http://schemas.openxmlformats.org/presentationml/2006/main">
-  <p:cSld>
-    <p:spTree>
-      <p:nvGrpSpPr>
-        <p:cNvPr id="1" name=""/>
-        <p:cNvGrpSpPr/>
-        <p:nvPr/>
-      </p:nvGrpSpPr>
-      <p:grpSpPr>
-        <a:xfrm>
-          <a:off x="0" y="0"/>
-          <a:ext cx="0" cy="0"/>
-          <a:chOff x="0" y="0"/>
-          <a:chExt cx="0" cy="0"/>
-        </a:xfrm>
-      </p:grpSpPr>
-      <p:sp>
-        <p:nvSpPr>
-          <p:cNvPr id="37890" name="Titel 1"/>
-          <p:cNvSpPr>
-            <a:spLocks noGrp="1"/>
-          </p:cNvSpPr>
-          <p:nvPr>
-            <p:ph type="title"/>
-          </p:nvPr>
-        </p:nvSpPr>
-        <p:spPr/>
-        <p:txBody>
-          <a:bodyPr/>
-          <a:lstStyle/>
-          <a:p>
-            <a:r>
-              <a:rPr lang="en-US" dirty="0" smtClean="0"/>
-              <a:t>Demo</a:t>
-            </a:r>
-            <a:endParaRPr lang="en-US" dirty="0" smtClean="0"/>
-          </a:p>
-        </p:txBody>
-      </p:sp>
-      <p:sp>
-        <p:nvSpPr>
-          <p:cNvPr id="37892" name="Tijdelijke aanduiding voor voettekst 3"/>
-          <p:cNvSpPr>
-            <a:spLocks noGrp="1"/>
-          </p:cNvSpPr>
-          <p:nvPr>
-            <p:ph type="ftr" sz="quarter" idx="10"/>
-          </p:nvPr>
-        </p:nvSpPr>
-        <p:spPr bwMode="auto">
-          <a:noFill/>
-          <a:ln>
-            <a:miter lim="800000"/>
-            <a:headEnd/>
-            <a:tailEnd/>
-          </a:ln>
-        </p:spPr>
-        <p:txBody>
-          <a:bodyPr/>
-          <a:lstStyle/>
-          <a:p>
-            <a:r>
-              <a:rPr lang="en-US" dirty="0" smtClean="0"/>
-              <a:t>Google Glass</a:t>
-            </a:r>
-            <a:endParaRPr lang="nl-NL" dirty="0"/>
-          </a:p>
-        </p:txBody>
-      </p:sp>
-      <p:sp>
-        <p:nvSpPr>
-          <p:cNvPr id="5" name="Tijdelijke aanduiding voor dianummer 4"/>
-          <p:cNvSpPr>
-            <a:spLocks noGrp="1"/>
-          </p:cNvSpPr>
-          <p:nvPr>
-            <p:ph type="sldNum" sz="quarter" idx="11"/>
-          </p:nvPr>
-        </p:nvSpPr>
-        <p:spPr/>
-        <p:txBody>
-          <a:bodyPr/>
-          <a:lstStyle/>
-          <a:p>
-            <a:pPr>
-              <a:defRPr/>
-            </a:pPr>
-            <a:fld id="{3D2BFD20-94B3-4AB8-9B36-FDEDF300D72E}" type="slidenum">
-              <a:rPr lang="nl-NL"/>
-              <a:pPr>
-                <a:defRPr/>
-              </a:pPr>
-              <a:t>5</a:t>
-            </a:fld>
-            <a:endParaRPr lang="nl-NL" dirty="0"/>
-          </a:p>
-        </p:txBody>
-      </p:sp>
       <p:pic>
         <p:nvPicPr>
-          <p:cNvPr id="1026" name="Picture 2" descr="http://midches.com/images/uploads/default/demo.jpg"/>
+          <p:cNvPr id="6" name="Content Placeholder 5"/>
           <p:cNvPicPr>
-            <a:picLocks noGrp="1" noChangeAspect="1" noChangeArrowheads="1"/>
+            <a:picLocks noGrp="1" noChangeAspect="1"/>
           </p:cNvPicPr>
           <p:nvPr>
             <p:ph idx="1"/>
           </p:nvPr>
         </p:nvPicPr>
         <p:blipFill>
-          <a:blip r:embed="rId3">
+          <a:blip r:embed="rId3" cstate="print">
             <a:extLst>
               <a:ext uri="{28A0092B-C50C-407E-A947-70E740481C1C}">
                 <a14:useLocalDpi xmlns:a14="http://schemas.microsoft.com/office/drawing/2010/main" val="0"/>
               </a:ext>
             </a:extLst>
           </a:blip>
-          <a:srcRect/>
           <a:stretch>
             <a:fillRect/>
           </a:stretch>
         </p:blipFill>
-        <p:spPr bwMode="auto">
+        <p:spPr>
           <a:xfrm>
-            <a:off x="2676525" y="1251744"/>
-            <a:ext cx="3790950" cy="2733675"/>
+            <a:off x="1833298" y="611188"/>
+            <a:ext cx="5563129" cy="4172347"/>
           </a:xfrm>
-          <a:prstGeom prst="rect">
-            <a:avLst/>
-          </a:prstGeom>
-          <a:noFill/>
-          <a:extLst>
-            <a:ext uri="{909E8E84-426E-40DD-AFC4-6F175D3DCCD1}">
-              <a14:hiddenFill xmlns:a14="http://schemas.microsoft.com/office/drawing/2010/main">
-                <a:solidFill>
-                  <a:srgbClr val="FFFFFF"/>
-                </a:solidFill>
-              </a14:hiddenFill>
-            </a:ext>
-          </a:extLst>
         </p:spPr>
       </p:pic>
     </p:spTree>
@@ -13106,19 +12887,14 @@
 </file>
 
 <file path=customXml/item1.xml><?xml version="1.0" encoding="utf-8"?>
-<?mso-contentType ?>
-<FormTemplates xmlns="http://schemas.microsoft.com/sharepoint/v3/contenttype/forms">
-  <Display>DocumentLibraryForm</Display>
-  <Edit>DocumentLibraryForm</Edit>
-  <New>DocumentLibraryForm</New>
-</FormTemplates>
+<p:properties xmlns:p="http://schemas.microsoft.com/office/2006/metadata/properties" xmlns:xsi="http://www.w3.org/2001/XMLSchema-instance">
+  <documentManagement>
+    <Omschrijving xmlns="f9a150b1-3ba2-4988-8a7d-e3cfa780e8d5">Info Support BUO vergadering presentatie over de Google Glass</Omschrijving>
+  </documentManagement>
+</p:properties>
 </file>
 
 <file path=customXml/item2.xml><?xml version="1.0" encoding="utf-8"?>
-<LongProperties xmlns="http://schemas.microsoft.com/office/2006/metadata/longProperties"/>
-</file>
-
-<file path=customXml/item3.xml><?xml version="1.0" encoding="utf-8"?>
 <ct:contentTypeSchema xmlns:ct="http://schemas.microsoft.com/office/2006/metadata/contentType" xmlns:ma="http://schemas.microsoft.com/office/2006/metadata/properties/metaAttributes" ct:_="" ma:_="" ma:contentTypeName="Document" ma:contentTypeID="0x010100EE661F05C9A26C479912894FEB5EC1B1" ma:contentTypeVersion="1" ma:contentTypeDescription="Een nieuw document maken." ma:contentTypeScope="" ma:versionID="2a05dece8e3bd3c33f75976138b7081c">
   <xsd:schema xmlns:xsd="http://www.w3.org/2001/XMLSchema" xmlns:p="http://schemas.microsoft.com/office/2006/metadata/properties" xmlns:ns2="f9a150b1-3ba2-4988-8a7d-e3cfa780e8d5" targetNamespace="http://schemas.microsoft.com/office/2006/metadata/properties" ma:root="true" ma:fieldsID="c8938326b7293ea2ee7fa2cce6e49576" ns2:_="">
     <xsd:import namespace="f9a150b1-3ba2-4988-8a7d-e3cfa780e8d5"/>
@@ -13180,31 +12956,35 @@
 </ct:contentTypeSchema>
 </file>
 
+<file path=customXml/item3.xml><?xml version="1.0" encoding="utf-8"?>
+<LongProperties xmlns="http://schemas.microsoft.com/office/2006/metadata/longProperties"/>
+</file>
+
 <file path=customXml/item4.xml><?xml version="1.0" encoding="utf-8"?>
-<p:properties xmlns:p="http://schemas.microsoft.com/office/2006/metadata/properties" xmlns:xsi="http://www.w3.org/2001/XMLSchema-instance">
-  <documentManagement>
-    <Omschrijving xmlns="f9a150b1-3ba2-4988-8a7d-e3cfa780e8d5">Info Support BUO vergadering presentatie over de Google Glass</Omschrijving>
-  </documentManagement>
-</p:properties>
+<?mso-contentType ?>
+<FormTemplates xmlns="http://schemas.microsoft.com/sharepoint/v3/contenttype/forms">
+  <Display>DocumentLibraryForm</Display>
+  <Edit>DocumentLibraryForm</Edit>
+  <New>DocumentLibraryForm</New>
+</FormTemplates>
 </file>
 
 <file path=customXml/itemProps1.xml><?xml version="1.0" encoding="utf-8"?>
-<ds:datastoreItem xmlns:ds="http://schemas.openxmlformats.org/officeDocument/2006/customXml" ds:itemID="{C7B310DF-605C-48D1-8C27-6CBCC2B3E03A}">
+<ds:datastoreItem xmlns:ds="http://schemas.openxmlformats.org/officeDocument/2006/customXml" ds:itemID="{4A988EEA-97E6-4944-AFE5-3E58A9F7677C}">
   <ds:schemaRefs>
-    <ds:schemaRef ds:uri="http://schemas.microsoft.com/sharepoint/v3/contenttype/forms"/>
+    <ds:schemaRef ds:uri="http://schemas.openxmlformats.org/package/2006/metadata/core-properties"/>
+    <ds:schemaRef ds:uri="http://purl.org/dc/terms/"/>
+    <ds:schemaRef ds:uri="http://schemas.microsoft.com/office/2006/documentManagement/types"/>
+    <ds:schemaRef ds:uri="http://purl.org/dc/elements/1.1/"/>
+    <ds:schemaRef ds:uri="http://schemas.microsoft.com/office/2006/metadata/properties"/>
+    <ds:schemaRef ds:uri="f9a150b1-3ba2-4988-8a7d-e3cfa780e8d5"/>
+    <ds:schemaRef ds:uri="http://www.w3.org/XML/1998/namespace"/>
+    <ds:schemaRef ds:uri="http://purl.org/dc/dcmitype/"/>
   </ds:schemaRefs>
 </ds:datastoreItem>
 </file>
 
 <file path=customXml/itemProps2.xml><?xml version="1.0" encoding="utf-8"?>
-<ds:datastoreItem xmlns:ds="http://schemas.openxmlformats.org/officeDocument/2006/customXml" ds:itemID="{BB307D93-2FFF-4F8B-9E81-F7ACFE01FC73}">
-  <ds:schemaRefs>
-    <ds:schemaRef ds:uri="http://schemas.microsoft.com/office/2006/metadata/longProperties"/>
-  </ds:schemaRefs>
-</ds:datastoreItem>
-</file>
-
-<file path=customXml/itemProps3.xml><?xml version="1.0" encoding="utf-8"?>
 <ds:datastoreItem xmlns:ds="http://schemas.openxmlformats.org/officeDocument/2006/customXml" ds:itemID="{47D3FC6E-852F-457D-810F-BE827CBFC425}">
   <ds:schemaRefs>
     <ds:schemaRef ds:uri="http://schemas.microsoft.com/office/2006/metadata/contentType"/>
@@ -13221,17 +13001,18 @@
 </ds:datastoreItem>
 </file>
 
+<file path=customXml/itemProps3.xml><?xml version="1.0" encoding="utf-8"?>
+<ds:datastoreItem xmlns:ds="http://schemas.openxmlformats.org/officeDocument/2006/customXml" ds:itemID="{BB307D93-2FFF-4F8B-9E81-F7ACFE01FC73}">
+  <ds:schemaRefs>
+    <ds:schemaRef ds:uri="http://schemas.microsoft.com/office/2006/metadata/longProperties"/>
+  </ds:schemaRefs>
+</ds:datastoreItem>
+</file>
+
 <file path=customXml/itemProps4.xml><?xml version="1.0" encoding="utf-8"?>
-<ds:datastoreItem xmlns:ds="http://schemas.openxmlformats.org/officeDocument/2006/customXml" ds:itemID="{4A988EEA-97E6-4944-AFE5-3E58A9F7677C}">
+<ds:datastoreItem xmlns:ds="http://schemas.openxmlformats.org/officeDocument/2006/customXml" ds:itemID="{C7B310DF-605C-48D1-8C27-6CBCC2B3E03A}">
   <ds:schemaRefs>
-    <ds:schemaRef ds:uri="http://schemas.openxmlformats.org/package/2006/metadata/core-properties"/>
-    <ds:schemaRef ds:uri="http://purl.org/dc/terms/"/>
-    <ds:schemaRef ds:uri="http://schemas.microsoft.com/office/2006/documentManagement/types"/>
-    <ds:schemaRef ds:uri="http://purl.org/dc/elements/1.1/"/>
-    <ds:schemaRef ds:uri="http://schemas.microsoft.com/office/2006/metadata/properties"/>
-    <ds:schemaRef ds:uri="f9a150b1-3ba2-4988-8a7d-e3cfa780e8d5"/>
-    <ds:schemaRef ds:uri="http://www.w3.org/XML/1998/namespace"/>
-    <ds:schemaRef ds:uri="http://purl.org/dc/dcmitype/"/>
+    <ds:schemaRef ds:uri="http://schemas.microsoft.com/sharepoint/v3/contenttype/forms"/>
   </ds:schemaRefs>
 </ds:datastoreItem>
 </file>